--- a/translations/en-us/TeamManagement/CompetitionPreparation.pptx
+++ b/translations/en-us/TeamManagement/CompetitionPreparation.pptx
@@ -5,7 +5,7 @@
     <p:sldMasterId id="2147483672" r:id="rId1"/>
   </p:sldMasterIdLst>
   <p:notesMasterIdLst>
-    <p:notesMasterId r:id="rId8"/>
+    <p:notesMasterId r:id="rId9"/>
   </p:notesMasterIdLst>
   <p:sldIdLst>
     <p:sldId id="256" r:id="rId2"/>
@@ -13,7 +13,8 @@
     <p:sldId id="268" r:id="rId4"/>
     <p:sldId id="269" r:id="rId5"/>
     <p:sldId id="270" r:id="rId6"/>
-    <p:sldId id="266" r:id="rId7"/>
+    <p:sldId id="271" r:id="rId7"/>
+    <p:sldId id="266" r:id="rId8"/>
   </p:sldIdLst>
   <p:sldSz cx="9144000" cy="6858000" type="screen4x3"/>
   <p:notesSz cx="6858000" cy="9144000"/>
@@ -202,7 +203,7 @@
           <a:p>
             <a:fld id="{1DA05D45-2BCB-7D45-A4DC-3AF42B1AEA7C}" type="datetimeFigureOut">
               <a:rPr lang="en-US" smtClean="0"/>
-              <a:t>3/4/20</a:t>
+              <a:t>3/6/20</a:t>
             </a:fld>
             <a:endParaRPr lang="en-US"/>
           </a:p>
@@ -2829,7 +2830,7 @@
           <a:p>
             <a:fld id="{F0B0D405-B8F0-F948-B2DC-9AA464B22AC1}" type="datetime1">
               <a:rPr lang="en-US" smtClean="0"/>
-              <a:t>3/4/20</a:t>
+              <a:t>3/6/20</a:t>
             </a:fld>
             <a:endParaRPr lang="en-US"/>
           </a:p>
@@ -5355,7 +5356,7 @@
           <a:p>
             <a:fld id="{82530802-A795-5747-A182-6B03F1EBC304}" type="datetime1">
               <a:rPr lang="en-US" smtClean="0"/>
-              <a:t>3/4/20</a:t>
+              <a:t>3/6/20</a:t>
             </a:fld>
             <a:endParaRPr lang="en-US"/>
           </a:p>
@@ -5596,7 +5597,7 @@
           <a:p>
             <a:fld id="{E5D50E0E-A9F1-FB42-ADBB-EDE1E6B27479}" type="datetime1">
               <a:rPr lang="en-US" smtClean="0"/>
-              <a:t>3/4/20</a:t>
+              <a:t>3/6/20</a:t>
             </a:fld>
             <a:endParaRPr lang="en-US"/>
           </a:p>
@@ -5837,7 +5838,7 @@
           <a:p>
             <a:fld id="{C80E0F62-236C-6D40-B03E-8657E368AB0D}" type="datetime1">
               <a:rPr lang="en-US" smtClean="0"/>
-              <a:t>3/4/20</a:t>
+              <a:t>3/6/20</a:t>
             </a:fld>
             <a:endParaRPr lang="en-US"/>
           </a:p>
@@ -6611,7 +6612,7 @@
           <a:p>
             <a:fld id="{22B5D573-0D16-294D-8030-D4942726067A}" type="datetime1">
               <a:rPr lang="en-US" smtClean="0"/>
-              <a:t>3/4/20</a:t>
+              <a:t>3/6/20</a:t>
             </a:fld>
             <a:endParaRPr lang="en-US"/>
           </a:p>
@@ -7296,7 +7297,7 @@
           <a:p>
             <a:fld id="{AA63BB5A-2DEC-3947-BF15-355EACA9DA7E}" type="datetime1">
               <a:rPr lang="en-US" smtClean="0"/>
-              <a:t>3/4/20</a:t>
+              <a:t>3/6/20</a:t>
             </a:fld>
             <a:endParaRPr lang="en-US"/>
           </a:p>
@@ -8137,7 +8138,7 @@
           <a:p>
             <a:fld id="{1D17B2D4-040A-3E4F-B319-B23E07EE4757}" type="datetime1">
               <a:rPr lang="en-US" smtClean="0"/>
-              <a:t>3/4/20</a:t>
+              <a:t>3/6/20</a:t>
             </a:fld>
             <a:endParaRPr lang="en-US"/>
           </a:p>
@@ -9130,7 +9131,7 @@
           <a:p>
             <a:fld id="{005C86DC-8D3A-C54D-9D3C-414A908A6ADF}" type="datetime1">
               <a:rPr lang="en-US" smtClean="0"/>
-              <a:t>3/4/20</a:t>
+              <a:t>3/6/20</a:t>
             </a:fld>
             <a:endParaRPr lang="en-US"/>
           </a:p>
@@ -11509,7 +11510,7 @@
           <a:p>
             <a:fld id="{0D6AB757-4471-4C4E-93F0-D01CCC335186}" type="datetime1">
               <a:rPr lang="en-US" smtClean="0"/>
-              <a:t>3/4/20</a:t>
+              <a:t>3/6/20</a:t>
             </a:fld>
             <a:endParaRPr lang="en-US"/>
           </a:p>
@@ -11649,7 +11650,7 @@
           <a:p>
             <a:fld id="{CA6B4F35-454D-E844-AA68-A003B59CB69D}" type="datetime1">
               <a:rPr lang="en-US" smtClean="0"/>
-              <a:t>3/4/20</a:t>
+              <a:t>3/6/20</a:t>
             </a:fld>
             <a:endParaRPr lang="en-US"/>
           </a:p>
@@ -12183,7 +12184,7 @@
           <a:p>
             <a:fld id="{0885F534-ECE2-B745-8223-15325D418892}" type="datetime1">
               <a:rPr lang="en-US" smtClean="0"/>
-              <a:t>3/4/20</a:t>
+              <a:t>3/6/20</a:t>
             </a:fld>
             <a:endParaRPr lang="en-US"/>
           </a:p>
@@ -13522,7 +13523,7 @@
           <a:p>
             <a:fld id="{95D45EDE-3D52-5741-BCAE-39EAC69E599F}" type="datetime1">
               <a:rPr lang="en-US" smtClean="0"/>
-              <a:t>3/4/20</a:t>
+              <a:t>3/6/20</a:t>
             </a:fld>
             <a:endParaRPr lang="en-US"/>
           </a:p>
@@ -13786,7 +13787,7 @@
           <a:p>
             <a:fld id="{59864C05-27EE-7E4D-9D71-4F5858FFD300}" type="datetime1">
               <a:rPr lang="en-US" smtClean="0"/>
-              <a:t>3/4/20</a:t>
+              <a:t>3/6/20</a:t>
             </a:fld>
             <a:endParaRPr lang="en-US"/>
           </a:p>
@@ -15561,7 +15562,7 @@
             </a:r>
             <a:r>
               <a:rPr lang="en-US" dirty="0"/>
-              <a:t> Optional load for 5 team members, Practice matches during the day.</a:t>
+              <a:t> Optional load for 5 team members, Inspection, Practice matches during the day.</a:t>
             </a:r>
           </a:p>
           <a:p>
@@ -15692,7 +15693,7 @@
         <p:spPr>
           <a:xfrm>
             <a:off x="259080" y="1249680"/>
-            <a:ext cx="5088172" cy="5029199"/>
+            <a:ext cx="4856060" cy="5029199"/>
           </a:xfrm>
         </p:spPr>
         <p:txBody>
@@ -16108,7 +16109,7 @@
           <a:p>
             <a:r>
               <a:rPr lang="en-US" dirty="0"/>
-              <a:t>Tips</a:t>
+              <a:t>Event Tips</a:t>
             </a:r>
           </a:p>
         </p:txBody>
@@ -16245,6 +16246,145 @@
 </file>
 
 <file path=ppt/slides/slide6.xml><?xml version="1.0" encoding="utf-8"?>
+<p:sld xmlns:a="http://schemas.openxmlformats.org/drawingml/2006/main" xmlns:r="http://schemas.openxmlformats.org/officeDocument/2006/relationships" xmlns:p="http://schemas.openxmlformats.org/presentationml/2006/main">
+  <p:cSld>
+    <p:spTree>
+      <p:nvGrpSpPr>
+        <p:cNvPr id="1" name=""/>
+        <p:cNvGrpSpPr/>
+        <p:nvPr/>
+      </p:nvGrpSpPr>
+      <p:grpSpPr>
+        <a:xfrm>
+          <a:off x="0" y="0"/>
+          <a:ext cx="0" cy="0"/>
+          <a:chOff x="0" y="0"/>
+          <a:chExt cx="0" cy="0"/>
+        </a:xfrm>
+      </p:grpSpPr>
+      <p:sp>
+        <p:nvSpPr>
+          <p:cNvPr id="2" name="Title 1">
+            <a:extLst>
+              <a:ext uri="{FF2B5EF4-FFF2-40B4-BE49-F238E27FC236}">
+                <a16:creationId xmlns:a16="http://schemas.microsoft.com/office/drawing/2014/main" id="{453270E9-A1A3-9B4D-9377-46E9500F9EA0}"/>
+              </a:ext>
+            </a:extLst>
+          </p:cNvPr>
+          <p:cNvSpPr>
+            <a:spLocks noGrp="1"/>
+          </p:cNvSpPr>
+          <p:nvPr>
+            <p:ph type="title"/>
+          </p:nvPr>
+        </p:nvSpPr>
+        <p:spPr/>
+        <p:txBody>
+          <a:bodyPr/>
+          <a:lstStyle/>
+          <a:p>
+            <a:r>
+              <a:rPr lang="en-US" dirty="0"/>
+              <a:t>Recommendations from 8027</a:t>
+            </a:r>
+          </a:p>
+        </p:txBody>
+      </p:sp>
+      <p:sp>
+        <p:nvSpPr>
+          <p:cNvPr id="3" name="Content Placeholder 2">
+            <a:extLst>
+              <a:ext uri="{FF2B5EF4-FFF2-40B4-BE49-F238E27FC236}">
+                <a16:creationId xmlns:a16="http://schemas.microsoft.com/office/drawing/2014/main" id="{09F8A26A-ABC7-0242-A8B6-DC0DA85E76D1}"/>
+              </a:ext>
+            </a:extLst>
+          </p:cNvPr>
+          <p:cNvSpPr>
+            <a:spLocks noGrp="1"/>
+          </p:cNvSpPr>
+          <p:nvPr>
+            <p:ph idx="1"/>
+          </p:nvPr>
+        </p:nvSpPr>
+        <p:spPr/>
+        <p:txBody>
+          <a:bodyPr/>
+          <a:lstStyle/>
+          <a:p>
+            <a:r>
+              <a:rPr lang="en-US" dirty="0"/>
+              <a:t>Try to set up pit during the pit load in times</a:t>
+            </a:r>
+          </a:p>
+          <a:p>
+            <a:r>
+              <a:rPr lang="en-US" dirty="0"/>
+              <a:t>Assuming you are not facing any robot issues, go to the inspection table at the event and get your robot weighed</a:t>
+            </a:r>
+          </a:p>
+          <a:p>
+            <a:r>
+              <a:rPr lang="en-US" dirty="0"/>
+              <a:t>Get into the inspection queue. An inspector will come to your pit to continue inspection [see lesson on Inspection]</a:t>
+            </a:r>
+          </a:p>
+          <a:p>
+            <a:r>
+              <a:rPr lang="en-US" dirty="0"/>
+              <a:t>Once you have completed inspection, you are allowed to fill in for teams who have not shown up for their practice matches.</a:t>
+            </a:r>
+          </a:p>
+          <a:p>
+            <a:r>
+              <a:rPr lang="en-US" dirty="0"/>
+              <a:t>Have a student take your radio to the near the field to program it to connect to the field. You can do this before or after inspection. However, it will need to be completed before you arrive for your practice match.</a:t>
+            </a:r>
+          </a:p>
+        </p:txBody>
+      </p:sp>
+      <p:sp>
+        <p:nvSpPr>
+          <p:cNvPr id="4" name="Footer Placeholder 3">
+            <a:extLst>
+              <a:ext uri="{FF2B5EF4-FFF2-40B4-BE49-F238E27FC236}">
+                <a16:creationId xmlns:a16="http://schemas.microsoft.com/office/drawing/2014/main" id="{22EBDCB5-2DE6-7248-A04F-024D24716FC6}"/>
+              </a:ext>
+            </a:extLst>
+          </p:cNvPr>
+          <p:cNvSpPr>
+            <a:spLocks noGrp="1"/>
+          </p:cNvSpPr>
+          <p:nvPr>
+            <p:ph type="ftr" sz="quarter" idx="11"/>
+          </p:nvPr>
+        </p:nvSpPr>
+        <p:spPr/>
+        <p:txBody>
+          <a:bodyPr/>
+          <a:lstStyle/>
+          <a:p>
+            <a:r>
+              <a:rPr lang="en-US"/>
+              <a:t>Copyright 2020 FRCTutorials.com (Last edit 3/4/2020)</a:t>
+            </a:r>
+            <a:endParaRPr lang="en-US" dirty="0"/>
+          </a:p>
+        </p:txBody>
+      </p:sp>
+    </p:spTree>
+    <p:extLst>
+      <p:ext uri="{BB962C8B-B14F-4D97-AF65-F5344CB8AC3E}">
+        <p14:creationId xmlns:p14="http://schemas.microsoft.com/office/powerpoint/2010/main" val="643829021"/>
+      </p:ext>
+    </p:extLst>
+  </p:cSld>
+  <p:clrMapOvr>
+    <a:masterClrMapping/>
+  </p:clrMapOvr>
+</p:sld>
+</file>
+
+<file path=ppt/slides/slide7.xml><?xml version="1.0" encoding="utf-8"?>
 <p:sld xmlns:a="http://schemas.openxmlformats.org/drawingml/2006/main" xmlns:r="http://schemas.openxmlformats.org/officeDocument/2006/relationships" xmlns:p="http://schemas.openxmlformats.org/presentationml/2006/main">
   <p:cSld>
     <p:spTree>
